--- a/Single-lung-metastasis-model/early_results/AMIGOS_Gilkes_12_01_17_meeting.pptx
+++ b/Single-lung-metastasis-model/early_results/AMIGOS_Gilkes_12_01_17_meeting.pptx
@@ -5,7 +5,7 @@
     <p:sldMasterId id="2147483648" r:id="rId1"/>
   </p:sldMasterIdLst>
   <p:notesMasterIdLst>
-    <p:notesMasterId r:id="rId7"/>
+    <p:notesMasterId r:id="rId8"/>
   </p:notesMasterIdLst>
   <p:sldIdLst>
     <p:sldId id="309" r:id="rId2"/>
@@ -13,6 +13,7 @@
     <p:sldId id="426" r:id="rId4"/>
     <p:sldId id="424" r:id="rId5"/>
     <p:sldId id="427" r:id="rId6"/>
+    <p:sldId id="428" r:id="rId7"/>
   </p:sldIdLst>
   <p:sldSz cx="9144000" cy="6858000" type="screen4x3"/>
   <p:notesSz cx="6858000" cy="9144000"/>
@@ -4483,11 +4484,7 @@
           <a:p>
             <a:r>
               <a:rPr lang="en-US" dirty="0" smtClean="0"/>
-              <a:t>Initial Application: 2-D </a:t>
-            </a:r>
-            <a:r>
-              <a:rPr lang="en-US" smtClean="0"/>
-              <a:t>“Spheroid”</a:t>
+              <a:t>Initial Application: 2-D “Spheroid”</a:t>
             </a:r>
             <a:endParaRPr lang="en-US" dirty="0"/>
           </a:p>
@@ -4558,6 +4555,170 @@
   <p:clrMapOvr>
     <a:masterClrMapping/>
   </p:clrMapOvr>
+</p:sld>
+</file>
+
+<file path=ppt/slides/slide6.xml><?xml version="1.0" encoding="utf-8"?>
+<p:sld xmlns:a="http://schemas.openxmlformats.org/drawingml/2006/main" xmlns:r="http://schemas.openxmlformats.org/officeDocument/2006/relationships" xmlns:p="http://schemas.openxmlformats.org/presentationml/2006/main">
+  <p:cSld>
+    <p:spTree>
+      <p:nvGrpSpPr>
+        <p:cNvPr id="1" name=""/>
+        <p:cNvGrpSpPr/>
+        <p:nvPr/>
+      </p:nvGrpSpPr>
+      <p:grpSpPr>
+        <a:xfrm>
+          <a:off x="0" y="0"/>
+          <a:ext cx="0" cy="0"/>
+          <a:chOff x="0" y="0"/>
+          <a:chExt cx="0" cy="0"/>
+        </a:xfrm>
+      </p:grpSpPr>
+      <p:sp>
+        <p:nvSpPr>
+          <p:cNvPr id="2" name="Title 1"/>
+          <p:cNvSpPr>
+            <a:spLocks noGrp="1"/>
+          </p:cNvSpPr>
+          <p:nvPr>
+            <p:ph type="title"/>
+          </p:nvPr>
+        </p:nvSpPr>
+        <p:spPr/>
+        <p:txBody>
+          <a:bodyPr/>
+          <a:lstStyle/>
+          <a:p>
+            <a:r>
+              <a:rPr lang="en-US" dirty="0" smtClean="0"/>
+              <a:t>Spheroid</a:t>
+            </a:r>
+            <a:endParaRPr lang="en-US" dirty="0"/>
+          </a:p>
+        </p:txBody>
+      </p:sp>
+      <p:pic>
+        <p:nvPicPr>
+          <p:cNvPr id="4" name="days_20_to_50_circle">
+            <a:hlinkClick r:id="" action="ppaction://media"/>
+          </p:cNvPr>
+          <p:cNvPicPr>
+            <a:picLocks noGrp="1" noChangeAspect="1"/>
+          </p:cNvPicPr>
+          <p:nvPr>
+            <p:ph idx="1"/>
+            <a:videoFile r:link="rId2"/>
+            <p:extLst>
+              <p:ext uri="{DAA4B4D4-6D71-4841-9C94-3DE7FCFB9230}">
+                <p14:media xmlns:p14="http://schemas.microsoft.com/office/powerpoint/2010/main" r:embed="rId1"/>
+              </p:ext>
+            </p:extLst>
+          </p:nvPr>
+        </p:nvPicPr>
+        <p:blipFill>
+          <a:blip r:embed="rId4"/>
+          <a:stretch>
+            <a:fillRect/>
+          </a:stretch>
+        </p:blipFill>
+        <p:spPr>
+          <a:xfrm>
+            <a:off x="0" y="1630363"/>
+            <a:ext cx="9144000" cy="3960812"/>
+          </a:xfrm>
+        </p:spPr>
+      </p:pic>
+    </p:spTree>
+    <p:extLst>
+      <p:ext uri="{BB962C8B-B14F-4D97-AF65-F5344CB8AC3E}">
+        <p14:creationId xmlns:p14="http://schemas.microsoft.com/office/powerpoint/2010/main" val="1349637930"/>
+      </p:ext>
+    </p:extLst>
+  </p:cSld>
+  <p:clrMapOvr>
+    <a:masterClrMapping/>
+  </p:clrMapOvr>
+  <p:timing>
+    <p:tnLst>
+      <p:par>
+        <p:cTn id="1" dur="indefinite" restart="never" nodeType="tmRoot">
+          <p:childTnLst>
+            <p:seq concurrent="1" nextAc="seek">
+              <p:cTn id="2" restart="whenNotActive" fill="hold" evtFilter="cancelBubble" nodeType="interactiveSeq">
+                <p:stCondLst>
+                  <p:cond evt="onClick" delay="0">
+                    <p:tgtEl>
+                      <p:spTgt spid="4"/>
+                    </p:tgtEl>
+                  </p:cond>
+                </p:stCondLst>
+                <p:endSync evt="end" delay="0">
+                  <p:rtn val="all"/>
+                </p:endSync>
+                <p:childTnLst>
+                  <p:par>
+                    <p:cTn id="3" fill="hold">
+                      <p:stCondLst>
+                        <p:cond delay="0"/>
+                      </p:stCondLst>
+                      <p:childTnLst>
+                        <p:par>
+                          <p:cTn id="4" fill="hold">
+                            <p:stCondLst>
+                              <p:cond delay="0"/>
+                            </p:stCondLst>
+                            <p:childTnLst>
+                              <p:par>
+                                <p:cTn id="5" presetID="2" presetClass="mediacall" presetSubtype="0" fill="hold" nodeType="clickEffect">
+                                  <p:stCondLst>
+                                    <p:cond delay="0"/>
+                                  </p:stCondLst>
+                                  <p:childTnLst>
+                                    <p:cmd type="call" cmd="togglePause">
+                                      <p:cBhvr>
+                                        <p:cTn id="6" dur="1" fill="hold"/>
+                                        <p:tgtEl>
+                                          <p:spTgt spid="4"/>
+                                        </p:tgtEl>
+                                      </p:cBhvr>
+                                    </p:cmd>
+                                  </p:childTnLst>
+                                </p:cTn>
+                              </p:par>
+                            </p:childTnLst>
+                          </p:cTn>
+                        </p:par>
+                      </p:childTnLst>
+                    </p:cTn>
+                  </p:par>
+                </p:childTnLst>
+              </p:cTn>
+              <p:nextCondLst>
+                <p:cond evt="onClick" delay="0">
+                  <p:tgtEl>
+                    <p:spTgt spid="4"/>
+                  </p:tgtEl>
+                </p:cond>
+              </p:nextCondLst>
+            </p:seq>
+            <p:video>
+              <p:cMediaNode vol="80000">
+                <p:cTn id="7" fill="hold" display="0">
+                  <p:stCondLst>
+                    <p:cond delay="indefinite"/>
+                  </p:stCondLst>
+                </p:cTn>
+                <p:tgtEl>
+                  <p:spTgt spid="4"/>
+                </p:tgtEl>
+              </p:cMediaNode>
+            </p:video>
+          </p:childTnLst>
+        </p:cTn>
+      </p:par>
+    </p:tnLst>
+  </p:timing>
 </p:sld>
 </file>
 
